--- a/Project/præsentation/Discussion.pptx
+++ b/Project/præsentation/Discussion.pptx
@@ -5,18 +5,17 @@
     <p:sldMasterId id="2147483648" r:id="rId1"/>
   </p:sldMasterIdLst>
   <p:notesMasterIdLst>
-    <p:notesMasterId r:id="rId11"/>
+    <p:notesMasterId r:id="rId10"/>
   </p:notesMasterIdLst>
   <p:sldIdLst>
     <p:sldId id="256" r:id="rId2"/>
     <p:sldId id="257" r:id="rId3"/>
     <p:sldId id="258" r:id="rId4"/>
-    <p:sldId id="260" r:id="rId5"/>
-    <p:sldId id="264" r:id="rId6"/>
-    <p:sldId id="263" r:id="rId7"/>
-    <p:sldId id="265" r:id="rId8"/>
-    <p:sldId id="266" r:id="rId9"/>
-    <p:sldId id="267" r:id="rId10"/>
+    <p:sldId id="264" r:id="rId5"/>
+    <p:sldId id="263" r:id="rId6"/>
+    <p:sldId id="265" r:id="rId7"/>
+    <p:sldId id="266" r:id="rId8"/>
+    <p:sldId id="267" r:id="rId9"/>
   </p:sldIdLst>
   <p:sldSz cx="9144000" cy="6858000" type="screen4x3"/>
   <p:notesSz cx="6858000" cy="9144000"/>
@@ -200,6 +199,7 @@
           <a:p>
             <a:fld id="{A2460A74-34A1-4BB5-91D8-B33FDDF29DDD}" type="datetimeFigureOut">
               <a:rPr lang="da-DK" smtClean="0"/>
+              <a:pPr/>
               <a:t>13-06-2011</a:t>
             </a:fld>
             <a:endParaRPr lang="da-DK"/>
@@ -361,7 +361,8 @@
           <a:p>
             <a:fld id="{04598A1D-1290-481D-AA00-539FFC012B51}" type="slidenum">
               <a:rPr lang="da-DK" smtClean="0"/>
-              <a:t>‹#›</a:t>
+              <a:pPr/>
+              <a:t>‹nr.›</a:t>
             </a:fld>
             <a:endParaRPr lang="da-DK"/>
           </a:p>
@@ -370,7 +371,7 @@
     </p:spTree>
     <p:extLst>
       <p:ext uri="{BB962C8B-B14F-4D97-AF65-F5344CB8AC3E}">
-        <p14:creationId xmlns:p14="http://schemas.microsoft.com/office/powerpoint/2010/main" val="256454266"/>
+        <p14:creationId xmlns:p14="http://schemas.microsoft.com/office/powerpoint/2010/main" xmlns="" val="256454266"/>
       </p:ext>
     </p:extLst>
   </p:cSld>
@@ -570,6 +571,7 @@
           <a:p>
             <a:fld id="{04598A1D-1290-481D-AA00-539FFC012B51}" type="slidenum">
               <a:rPr lang="da-DK" smtClean="0"/>
+              <a:pPr/>
               <a:t>1</a:t>
             </a:fld>
             <a:endParaRPr lang="da-DK"/>
@@ -683,6 +685,7 @@
           <a:p>
             <a:fld id="{04598A1D-1290-481D-AA00-539FFC012B51}" type="slidenum">
               <a:rPr lang="da-DK" smtClean="0"/>
+              <a:pPr/>
               <a:t>2</a:t>
             </a:fld>
             <a:endParaRPr lang="da-DK"/>
@@ -802,6 +805,7 @@
           <a:p>
             <a:fld id="{04598A1D-1290-481D-AA00-539FFC012B51}" type="slidenum">
               <a:rPr lang="da-DK" smtClean="0"/>
+              <a:pPr/>
               <a:t>3</a:t>
             </a:fld>
             <a:endParaRPr lang="da-DK"/>
@@ -862,23 +866,29 @@
           <a:p>
             <a:r>
               <a:rPr lang="da-DK" dirty="0" smtClean="0"/>
-              <a:t>Differences</a:t>
-            </a:r>
-          </a:p>
-          <a:p>
-            <a:r>
-              <a:rPr lang="da-DK" dirty="0" smtClean="0"/>
-              <a:t>Shorter</a:t>
+              <a:t>ActionPatterns, are much like the previous Agent</a:t>
             </a:r>
             <a:r>
               <a:rPr lang="da-DK" baseline="0" dirty="0" smtClean="0"/>
-              <a:t> initialization</a:t>
+              <a:t> Oriented Languages</a:t>
             </a:r>
           </a:p>
           <a:p>
             <a:r>
               <a:rPr lang="da-DK" baseline="0" dirty="0" smtClean="0"/>
-              <a:t>Difference in name, init and usage</a:t>
+              <a:t>NetLogo and RoboCode, requires the user to code everything before compiling</a:t>
+            </a:r>
+          </a:p>
+          <a:p>
+            <a:r>
+              <a:rPr lang="da-DK" baseline="0" dirty="0" smtClean="0"/>
+              <a:t>While the ActionPatterns can do it both before and after compiling.</a:t>
+            </a:r>
+          </a:p>
+          <a:p>
+            <a:r>
+              <a:rPr lang="da-DK" baseline="0" dirty="0" smtClean="0"/>
+              <a:t>The user has the freedom to change tactic while the wargame is running.</a:t>
             </a:r>
             <a:endParaRPr lang="da-DK" dirty="0"/>
           </a:p>
@@ -901,6 +911,7 @@
           <a:p>
             <a:fld id="{04598A1D-1290-481D-AA00-539FFC012B51}" type="slidenum">
               <a:rPr lang="da-DK" smtClean="0"/>
+              <a:pPr/>
               <a:t>4</a:t>
             </a:fld>
             <a:endParaRPr lang="da-DK"/>
@@ -910,7 +921,7 @@
     </p:spTree>
     <p:extLst>
       <p:ext uri="{BB962C8B-B14F-4D97-AF65-F5344CB8AC3E}">
-        <p14:creationId xmlns:p14="http://schemas.microsoft.com/office/powerpoint/2010/main" val="3021121752"/>
+        <p14:creationId xmlns:p14="http://schemas.microsoft.com/office/powerpoint/2010/main" xmlns="" val="3096082012"/>
       </p:ext>
     </p:extLst>
   </p:cSld>
@@ -966,30 +977,44 @@
           <a:p>
             <a:r>
               <a:rPr lang="da-DK" dirty="0" smtClean="0"/>
-              <a:t>ActionPatterns, are much like the previous Agent</a:t>
+              <a:t>We have created</a:t>
+            </a:r>
+          </a:p>
+          <a:p>
+            <a:r>
+              <a:rPr lang="da-DK" dirty="0" smtClean="0"/>
+              <a:t>Two languages, MASSIVE and the ActionPatterns</a:t>
+            </a:r>
+          </a:p>
+          <a:p>
+            <a:r>
+              <a:rPr lang="da-DK" dirty="0" smtClean="0"/>
+              <a:t>Both</a:t>
             </a:r>
             <a:r>
               <a:rPr lang="da-DK" baseline="0" dirty="0" smtClean="0"/>
-              <a:t> Oriented Languages</a:t>
+              <a:t> languages recieved its own translater</a:t>
             </a:r>
           </a:p>
           <a:p>
             <a:r>
               <a:rPr lang="da-DK" baseline="0" dirty="0" smtClean="0"/>
-              <a:t>NetLogo and RoboCode, requires the user to code everything before compiling</a:t>
+              <a:t>A compiler and an interpreter</a:t>
             </a:r>
           </a:p>
           <a:p>
             <a:r>
               <a:rPr lang="da-DK" baseline="0" dirty="0" smtClean="0"/>
-              <a:t>While the ActionPatterns can do it both before and after compiling.</a:t>
+              <a:t>As a whole the compiler and its GUI is optimized to create a Multi Agent Wargame simulation.</a:t>
             </a:r>
           </a:p>
           <a:p>
             <a:r>
               <a:rPr lang="da-DK" baseline="0" dirty="0" smtClean="0"/>
-              <a:t>The user has the freedom to change tactic while the wargame is running.</a:t>
-            </a:r>
+              <a:t>We would proboably have created it different if we were to do it again.</a:t>
+            </a:r>
+          </a:p>
+          <a:p>
             <a:endParaRPr lang="da-DK" dirty="0"/>
           </a:p>
         </p:txBody>
@@ -1011,6 +1036,7 @@
           <a:p>
             <a:fld id="{04598A1D-1290-481D-AA00-539FFC012B51}" type="slidenum">
               <a:rPr lang="da-DK" smtClean="0"/>
+              <a:pPr/>
               <a:t>5</a:t>
             </a:fld>
             <a:endParaRPr lang="da-DK"/>
@@ -1020,7 +1046,7 @@
     </p:spTree>
     <p:extLst>
       <p:ext uri="{BB962C8B-B14F-4D97-AF65-F5344CB8AC3E}">
-        <p14:creationId xmlns:p14="http://schemas.microsoft.com/office/powerpoint/2010/main" val="3096082012"/>
+        <p14:creationId xmlns:p14="http://schemas.microsoft.com/office/powerpoint/2010/main" xmlns="" val="3805899838"/>
       </p:ext>
     </p:extLst>
   </p:cSld>
@@ -1076,45 +1102,36 @@
           <a:p>
             <a:r>
               <a:rPr lang="da-DK" dirty="0" smtClean="0"/>
-              <a:t>We have created</a:t>
-            </a:r>
-          </a:p>
-          <a:p>
-            <a:r>
-              <a:rPr lang="da-DK" dirty="0" smtClean="0"/>
-              <a:t>Two languages, MASSIVE and the ActionPatterns</a:t>
-            </a:r>
-          </a:p>
-          <a:p>
-            <a:r>
-              <a:rPr lang="da-DK" dirty="0" smtClean="0"/>
-              <a:t>Both</a:t>
+              <a:t>Foreach loops making it possible to change</a:t>
             </a:r>
             <a:r>
               <a:rPr lang="da-DK" baseline="0" dirty="0" smtClean="0"/>
-              <a:t> languages recieved its own translater</a:t>
+              <a:t> Agents, Teams, Squads and ActionPatterns.</a:t>
             </a:r>
           </a:p>
           <a:p>
             <a:r>
               <a:rPr lang="da-DK" baseline="0" dirty="0" smtClean="0"/>
-              <a:t>A compiler and an interpreter</a:t>
+              <a:t>Giving the freedom to choose starting points of the units.</a:t>
             </a:r>
           </a:p>
           <a:p>
             <a:r>
               <a:rPr lang="da-DK" baseline="0" dirty="0" smtClean="0"/>
-              <a:t>As a whole the compiler and its GUI is optimized to create a Multi Agent Wargame simulation.</a:t>
+              <a:t>Expanding the action language;</a:t>
             </a:r>
           </a:p>
           <a:p>
             <a:r>
               <a:rPr lang="da-DK" baseline="0" dirty="0" smtClean="0"/>
-              <a:t>We would proboably have created it different if we were to do it again.</a:t>
-            </a:r>
-          </a:p>
-          <a:p>
-            <a:endParaRPr lang="da-DK" dirty="0"/>
+              <a:t>More options like move and encounter, for example ??</a:t>
+            </a:r>
+          </a:p>
+          <a:p>
+            <a:r>
+              <a:rPr lang="da-DK" baseline="0" dirty="0" smtClean="0"/>
+              <a:t>Convert the action language to a scripting language, like NetLogo and RoboCode with Conditions and loops. Pic på næste slide</a:t>
+            </a:r>
           </a:p>
         </p:txBody>
       </p:sp>
@@ -1135,6 +1152,7 @@
           <a:p>
             <a:fld id="{04598A1D-1290-481D-AA00-539FFC012B51}" type="slidenum">
               <a:rPr lang="da-DK" smtClean="0"/>
+              <a:pPr/>
               <a:t>6</a:t>
             </a:fld>
             <a:endParaRPr lang="da-DK"/>
@@ -1144,7 +1162,7 @@
     </p:spTree>
     <p:extLst>
       <p:ext uri="{BB962C8B-B14F-4D97-AF65-F5344CB8AC3E}">
-        <p14:creationId xmlns:p14="http://schemas.microsoft.com/office/powerpoint/2010/main" val="3805899838"/>
+        <p14:creationId xmlns:p14="http://schemas.microsoft.com/office/powerpoint/2010/main" xmlns="" val="356611910"/>
       </p:ext>
     </p:extLst>
   </p:cSld>
@@ -1200,36 +1218,9 @@
           <a:p>
             <a:r>
               <a:rPr lang="da-DK" dirty="0" smtClean="0"/>
-              <a:t>Foreach loops making it possible to change</a:t>
-            </a:r>
-            <a:r>
-              <a:rPr lang="da-DK" baseline="0" dirty="0" smtClean="0"/>
-              <a:t> Agents, Teams, Squads and ActionPatterns.</a:t>
-            </a:r>
-          </a:p>
-          <a:p>
-            <a:r>
-              <a:rPr lang="da-DK" baseline="0" dirty="0" smtClean="0"/>
-              <a:t>Giving the freedom to choose starting points of the units.</a:t>
-            </a:r>
-          </a:p>
-          <a:p>
-            <a:r>
-              <a:rPr lang="da-DK" baseline="0" dirty="0" smtClean="0"/>
-              <a:t>Expanding the action language;</a:t>
-            </a:r>
-          </a:p>
-          <a:p>
-            <a:r>
-              <a:rPr lang="da-DK" baseline="0" dirty="0" smtClean="0"/>
-              <a:t>More options like move and encounter, for example ??</a:t>
-            </a:r>
-          </a:p>
-          <a:p>
-            <a:r>
-              <a:rPr lang="da-DK" baseline="0" dirty="0" smtClean="0"/>
-              <a:t>Convert the action language to a scripting language, like NetLogo and RoboCode with Conditions and loops. Pic på næste slide</a:t>
-            </a:r>
+              <a:t>Would be converted to actions as in the current implementation.</a:t>
+            </a:r>
+            <a:endParaRPr lang="da-DK" dirty="0"/>
           </a:p>
         </p:txBody>
       </p:sp>
@@ -1250,6 +1241,7 @@
           <a:p>
             <a:fld id="{04598A1D-1290-481D-AA00-539FFC012B51}" type="slidenum">
               <a:rPr lang="da-DK" smtClean="0"/>
+              <a:pPr/>
               <a:t>7</a:t>
             </a:fld>
             <a:endParaRPr lang="da-DK"/>
@@ -1259,7 +1251,7 @@
     </p:spTree>
     <p:extLst>
       <p:ext uri="{BB962C8B-B14F-4D97-AF65-F5344CB8AC3E}">
-        <p14:creationId xmlns:p14="http://schemas.microsoft.com/office/powerpoint/2010/main" val="356611910"/>
+        <p14:creationId xmlns:p14="http://schemas.microsoft.com/office/powerpoint/2010/main" xmlns="" val="1124857959"/>
       </p:ext>
     </p:extLst>
   </p:cSld>
@@ -1315,9 +1307,24 @@
           <a:p>
             <a:r>
               <a:rPr lang="da-DK" dirty="0" smtClean="0"/>
-              <a:t>Would be converted to actions as in the current implementation.</a:t>
-            </a:r>
-            <a:endParaRPr lang="da-DK" dirty="0"/>
+              <a:t>Compiling directly to XML instead of compiling to C# and afterwords</a:t>
+            </a:r>
+            <a:r>
+              <a:rPr lang="da-DK" baseline="0" dirty="0" smtClean="0"/>
+              <a:t> to XML, runtime improvement</a:t>
+            </a:r>
+          </a:p>
+          <a:p>
+            <a:r>
+              <a:rPr lang="da-DK" baseline="0" dirty="0" smtClean="0"/>
+              <a:t>Merging the Compiler and the Wargame to one instance, would make the application more fluid.</a:t>
+            </a:r>
+          </a:p>
+          <a:p>
+            <a:r>
+              <a:rPr lang="da-DK" baseline="0" smtClean="0"/>
+              <a:t>On a long term basis, could a multiplayer version be interesting to implement.</a:t>
+            </a:r>
           </a:p>
         </p:txBody>
       </p:sp>
@@ -1338,6 +1345,7 @@
           <a:p>
             <a:fld id="{04598A1D-1290-481D-AA00-539FFC012B51}" type="slidenum">
               <a:rPr lang="da-DK" smtClean="0"/>
+              <a:pPr/>
               <a:t>8</a:t>
             </a:fld>
             <a:endParaRPr lang="da-DK"/>
@@ -1347,110 +1355,7 @@
     </p:spTree>
     <p:extLst>
       <p:ext uri="{BB962C8B-B14F-4D97-AF65-F5344CB8AC3E}">
-        <p14:creationId xmlns:p14="http://schemas.microsoft.com/office/powerpoint/2010/main" val="1124857959"/>
-      </p:ext>
-    </p:extLst>
-  </p:cSld>
-  <p:clrMapOvr>
-    <a:masterClrMapping/>
-  </p:clrMapOvr>
-</p:notes>
-</file>
-
-<file path=ppt/notesSlides/notesSlide9.xml><?xml version="1.0" encoding="utf-8"?>
-<p:notes xmlns:a="http://schemas.openxmlformats.org/drawingml/2006/main" xmlns:r="http://schemas.openxmlformats.org/officeDocument/2006/relationships" xmlns:p="http://schemas.openxmlformats.org/presentationml/2006/main">
-  <p:cSld>
-    <p:spTree>
-      <p:nvGrpSpPr>
-        <p:cNvPr id="1" name=""/>
-        <p:cNvGrpSpPr/>
-        <p:nvPr/>
-      </p:nvGrpSpPr>
-      <p:grpSpPr>
-        <a:xfrm>
-          <a:off x="0" y="0"/>
-          <a:ext cx="0" cy="0"/>
-          <a:chOff x="0" y="0"/>
-          <a:chExt cx="0" cy="0"/>
-        </a:xfrm>
-      </p:grpSpPr>
-      <p:sp>
-        <p:nvSpPr>
-          <p:cNvPr id="2" name="Slide Image Placeholder 1"/>
-          <p:cNvSpPr>
-            <a:spLocks noGrp="1" noRot="1" noChangeAspect="1"/>
-          </p:cNvSpPr>
-          <p:nvPr>
-            <p:ph type="sldImg"/>
-          </p:nvPr>
-        </p:nvSpPr>
-        <p:spPr/>
-      </p:sp>
-      <p:sp>
-        <p:nvSpPr>
-          <p:cNvPr id="3" name="Notes Placeholder 2"/>
-          <p:cNvSpPr>
-            <a:spLocks noGrp="1"/>
-          </p:cNvSpPr>
-          <p:nvPr>
-            <p:ph type="body" idx="1"/>
-          </p:nvPr>
-        </p:nvSpPr>
-        <p:spPr/>
-        <p:txBody>
-          <a:bodyPr/>
-          <a:lstStyle/>
-          <a:p>
-            <a:r>
-              <a:rPr lang="da-DK" dirty="0" smtClean="0"/>
-              <a:t>Compiling directly to XML instead of compiling to C# and afterwords</a:t>
-            </a:r>
-            <a:r>
-              <a:rPr lang="da-DK" baseline="0" dirty="0" smtClean="0"/>
-              <a:t> to XML, runtime improvement</a:t>
-            </a:r>
-          </a:p>
-          <a:p>
-            <a:r>
-              <a:rPr lang="da-DK" baseline="0" dirty="0" smtClean="0"/>
-              <a:t>Merging the Compiler and the Wargame to one instance, would make the application more fluid.</a:t>
-            </a:r>
-          </a:p>
-          <a:p>
-            <a:r>
-              <a:rPr lang="da-DK" baseline="0" smtClean="0"/>
-              <a:t>On a long term basis, could a multiplayer version be interesting to implement.</a:t>
-            </a:r>
-          </a:p>
-        </p:txBody>
-      </p:sp>
-      <p:sp>
-        <p:nvSpPr>
-          <p:cNvPr id="4" name="Slide Number Placeholder 3"/>
-          <p:cNvSpPr>
-            <a:spLocks noGrp="1"/>
-          </p:cNvSpPr>
-          <p:nvPr>
-            <p:ph type="sldNum" sz="quarter" idx="10"/>
-          </p:nvPr>
-        </p:nvSpPr>
-        <p:spPr/>
-        <p:txBody>
-          <a:bodyPr/>
-          <a:lstStyle/>
-          <a:p>
-            <a:fld id="{04598A1D-1290-481D-AA00-539FFC012B51}" type="slidenum">
-              <a:rPr lang="da-DK" smtClean="0"/>
-              <a:t>9</a:t>
-            </a:fld>
-            <a:endParaRPr lang="da-DK"/>
-          </a:p>
-        </p:txBody>
-      </p:sp>
-    </p:spTree>
-    <p:extLst>
-      <p:ext uri="{BB962C8B-B14F-4D97-AF65-F5344CB8AC3E}">
-        <p14:creationId xmlns:p14="http://schemas.microsoft.com/office/powerpoint/2010/main" val="306435083"/>
+        <p14:creationId xmlns:p14="http://schemas.microsoft.com/office/powerpoint/2010/main" xmlns="" val="306435083"/>
       </p:ext>
     </p:extLst>
   </p:cSld>
@@ -1685,7 +1590,7 @@
             <a:fld id="{B6F15528-21DE-4FAA-801E-634DDDAF4B2B}" type="slidenum">
               <a:rPr lang="en-US" smtClean="0"/>
               <a:pPr/>
-              <a:t>‹#›</a:t>
+              <a:t>‹nr.›</a:t>
             </a:fld>
             <a:endParaRPr lang="en-US"/>
           </a:p>
@@ -1852,7 +1757,7 @@
             <a:fld id="{B6F15528-21DE-4FAA-801E-634DDDAF4B2B}" type="slidenum">
               <a:rPr lang="en-US" smtClean="0"/>
               <a:pPr/>
-              <a:t>‹#›</a:t>
+              <a:t>‹nr.›</a:t>
             </a:fld>
             <a:endParaRPr lang="en-US"/>
           </a:p>
@@ -2029,7 +1934,7 @@
             <a:fld id="{B6F15528-21DE-4FAA-801E-634DDDAF4B2B}" type="slidenum">
               <a:rPr lang="en-US" smtClean="0"/>
               <a:pPr/>
-              <a:t>‹#›</a:t>
+              <a:t>‹nr.›</a:t>
             </a:fld>
             <a:endParaRPr lang="en-US"/>
           </a:p>
@@ -2196,7 +2101,7 @@
             <a:fld id="{B6F15528-21DE-4FAA-801E-634DDDAF4B2B}" type="slidenum">
               <a:rPr lang="en-US" smtClean="0"/>
               <a:pPr/>
-              <a:t>‹#›</a:t>
+              <a:t>‹nr.›</a:t>
             </a:fld>
             <a:endParaRPr lang="en-US"/>
           </a:p>
@@ -2439,7 +2344,7 @@
             <a:fld id="{B6F15528-21DE-4FAA-801E-634DDDAF4B2B}" type="slidenum">
               <a:rPr lang="en-US" smtClean="0"/>
               <a:pPr/>
-              <a:t>‹#›</a:t>
+              <a:t>‹nr.›</a:t>
             </a:fld>
             <a:endParaRPr lang="en-US"/>
           </a:p>
@@ -2724,7 +2629,7 @@
             <a:fld id="{B6F15528-21DE-4FAA-801E-634DDDAF4B2B}" type="slidenum">
               <a:rPr lang="en-US" smtClean="0"/>
               <a:pPr/>
-              <a:t>‹#›</a:t>
+              <a:t>‹nr.›</a:t>
             </a:fld>
             <a:endParaRPr lang="en-US"/>
           </a:p>
@@ -3143,7 +3048,7 @@
             <a:fld id="{B6F15528-21DE-4FAA-801E-634DDDAF4B2B}" type="slidenum">
               <a:rPr lang="en-US" smtClean="0"/>
               <a:pPr/>
-              <a:t>‹#›</a:t>
+              <a:t>‹nr.›</a:t>
             </a:fld>
             <a:endParaRPr lang="en-US"/>
           </a:p>
@@ -3258,7 +3163,7 @@
             <a:fld id="{B6F15528-21DE-4FAA-801E-634DDDAF4B2B}" type="slidenum">
               <a:rPr lang="en-US" smtClean="0"/>
               <a:pPr/>
-              <a:t>‹#›</a:t>
+              <a:t>‹nr.›</a:t>
             </a:fld>
             <a:endParaRPr lang="en-US"/>
           </a:p>
@@ -3350,7 +3255,7 @@
             <a:fld id="{B6F15528-21DE-4FAA-801E-634DDDAF4B2B}" type="slidenum">
               <a:rPr lang="en-US" smtClean="0"/>
               <a:pPr/>
-              <a:t>‹#›</a:t>
+              <a:t>‹nr.›</a:t>
             </a:fld>
             <a:endParaRPr lang="en-US"/>
           </a:p>
@@ -3624,7 +3529,7 @@
             <a:fld id="{B6F15528-21DE-4FAA-801E-634DDDAF4B2B}" type="slidenum">
               <a:rPr lang="en-US" smtClean="0"/>
               <a:pPr/>
-              <a:t>‹#›</a:t>
+              <a:t>‹nr.›</a:t>
             </a:fld>
             <a:endParaRPr lang="en-US"/>
           </a:p>
@@ -3874,7 +3779,7 @@
             <a:fld id="{B6F15528-21DE-4FAA-801E-634DDDAF4B2B}" type="slidenum">
               <a:rPr lang="en-US" smtClean="0"/>
               <a:pPr/>
-              <a:t>‹#›</a:t>
+              <a:t>‹nr.›</a:t>
             </a:fld>
             <a:endParaRPr lang="en-US"/>
           </a:p>
@@ -4120,7 +4025,7 @@
             <a:fld id="{B6F15528-21DE-4FAA-801E-634DDDAF4B2B}" type="slidenum">
               <a:rPr lang="en-US" smtClean="0"/>
               <a:pPr/>
-              <a:t>‹#›</a:t>
+              <a:t>‹nr.›</a:t>
             </a:fld>
             <a:endParaRPr lang="en-US"/>
           </a:p>
@@ -4561,11 +4466,7 @@
             <a:pPr lvl="1"/>
             <a:r>
               <a:rPr lang="da-DK" dirty="0" smtClean="0"/>
-              <a:t>Compiler, interpreter, </a:t>
-            </a:r>
-            <a:r>
-              <a:rPr lang="da-DK" dirty="0" smtClean="0"/>
-              <a:t>&amp; GUI is written in C#</a:t>
+              <a:t>Compiler, interpreter, &amp; GUI is written in C#</a:t>
             </a:r>
           </a:p>
           <a:p>
@@ -4740,7 +4641,7 @@
     </p:spTree>
     <p:extLst>
       <p:ext uri="{BB962C8B-B14F-4D97-AF65-F5344CB8AC3E}">
-        <p14:creationId xmlns:p14="http://schemas.microsoft.com/office/powerpoint/2010/main" val="1092689148"/>
+        <p14:creationId xmlns:p14="http://schemas.microsoft.com/office/powerpoint/2010/main" xmlns="" val="1092689148"/>
       </p:ext>
     </p:extLst>
   </p:cSld>
@@ -4789,60 +4690,78 @@
           <a:bodyPr/>
           <a:lstStyle/>
           <a:p>
-            <a:pPr marL="457200" indent="-457200"/>
-            <a:r>
-              <a:rPr lang="da-DK" dirty="0"/>
-              <a:t>Comparison</a:t>
-            </a:r>
-          </a:p>
-        </p:txBody>
-      </p:sp>
-      <p:pic>
-        <p:nvPicPr>
-          <p:cNvPr id="4" name="Content Placeholder 3"/>
-          <p:cNvPicPr>
-            <a:picLocks noGrp="1" noChangeAspect="1"/>
-          </p:cNvPicPr>
+            <a:r>
+              <a:rPr lang="da-DK" dirty="0" smtClean="0"/>
+              <a:t>Comparison	</a:t>
+            </a:r>
+            <a:endParaRPr lang="da-DK" dirty="0"/>
+          </a:p>
+        </p:txBody>
+      </p:sp>
+      <p:sp>
+        <p:nvSpPr>
+          <p:cNvPr id="3" name="Content Placeholder 2"/>
+          <p:cNvSpPr>
+            <a:spLocks noGrp="1"/>
+          </p:cNvSpPr>
           <p:nvPr>
             <p:ph idx="1"/>
           </p:nvPr>
-        </p:nvPicPr>
-        <p:blipFill>
-          <a:blip r:embed="rId3">
-            <a:extLst>
-              <a:ext uri="{28A0092B-C50C-407E-A947-70E740481C1C}">
-                <a14:useLocalDpi xmlns:a14="http://schemas.microsoft.com/office/drawing/2010/main" val="0"/>
-              </a:ext>
-            </a:extLst>
-          </a:blip>
-          <a:stretch>
-            <a:fillRect/>
-          </a:stretch>
-        </p:blipFill>
-        <p:spPr>
-          <a:xfrm>
-            <a:off x="1547390" y="2191310"/>
-            <a:ext cx="6049220" cy="3343742"/>
-          </a:xfrm>
-        </p:spPr>
-      </p:pic>
+        </p:nvSpPr>
+        <p:spPr/>
+        <p:txBody>
+          <a:bodyPr/>
+          <a:lstStyle/>
+          <a:p>
+            <a:r>
+              <a:rPr lang="da-DK" dirty="0" smtClean="0"/>
+              <a:t>ActionPatterns vs NetLogo/RoboCode</a:t>
+            </a:r>
+          </a:p>
+          <a:p>
+            <a:pPr lvl="1"/>
+            <a:r>
+              <a:rPr lang="da-DK" dirty="0" smtClean="0"/>
+              <a:t>Can be implemented</a:t>
+            </a:r>
+          </a:p>
+          <a:p>
+            <a:pPr lvl="2"/>
+            <a:r>
+              <a:rPr lang="da-DK" dirty="0" smtClean="0"/>
+              <a:t>Before compiling, as NetLogo and RoboCode</a:t>
+            </a:r>
+          </a:p>
+          <a:p>
+            <a:pPr lvl="2"/>
+            <a:r>
+              <a:rPr lang="da-DK" dirty="0" smtClean="0"/>
+              <a:t>After compiling, while running the wargame</a:t>
+            </a:r>
+          </a:p>
+          <a:p>
+            <a:pPr lvl="1"/>
+            <a:r>
+              <a:rPr lang="da-DK" dirty="0" smtClean="0"/>
+              <a:t>The user can change tactic while simulating</a:t>
+            </a:r>
+          </a:p>
+          <a:p>
+            <a:pPr lvl="1"/>
+            <a:endParaRPr lang="da-DK" dirty="0"/>
+          </a:p>
+        </p:txBody>
+      </p:sp>
     </p:spTree>
     <p:extLst>
       <p:ext uri="{BB962C8B-B14F-4D97-AF65-F5344CB8AC3E}">
-        <p14:creationId xmlns:p14="http://schemas.microsoft.com/office/powerpoint/2010/main" val="693543947"/>
+        <p14:creationId xmlns:p14="http://schemas.microsoft.com/office/powerpoint/2010/main" xmlns="" val="954873600"/>
       </p:ext>
     </p:extLst>
   </p:cSld>
   <p:clrMapOvr>
     <a:masterClrMapping/>
   </p:clrMapOvr>
-  <p:timing>
-    <p:tnLst>
-      <p:par>
-        <p:cTn id="1" dur="indefinite" restart="never" nodeType="tmRoot"/>
-      </p:par>
-    </p:tnLst>
-  </p:timing>
 </p:sld>
 </file>
 
@@ -4880,7 +4799,7 @@
           <a:p>
             <a:r>
               <a:rPr lang="da-DK" dirty="0" smtClean="0"/>
-              <a:t>Comparison	</a:t>
+              <a:t>Conclusion</a:t>
             </a:r>
             <a:endParaRPr lang="da-DK" dirty="0"/>
           </a:p>
@@ -4903,39 +4822,49 @@
           <a:p>
             <a:r>
               <a:rPr lang="da-DK" dirty="0" smtClean="0"/>
-              <a:t>ActionPatterns vs NetLogo/RoboCode</a:t>
+              <a:t>Created two languages</a:t>
             </a:r>
           </a:p>
           <a:p>
             <a:pPr lvl="1"/>
             <a:r>
               <a:rPr lang="da-DK" dirty="0" smtClean="0"/>
-              <a:t>Can be implemented</a:t>
-            </a:r>
-          </a:p>
-          <a:p>
-            <a:pPr lvl="2"/>
-            <a:r>
-              <a:rPr lang="da-DK" dirty="0" smtClean="0"/>
-              <a:t>Before compiling, as NetLogo and RoboCode</a:t>
-            </a:r>
-          </a:p>
-          <a:p>
-            <a:pPr lvl="2"/>
-            <a:r>
-              <a:rPr lang="da-DK" dirty="0" smtClean="0"/>
-              <a:t>After compiling, while running the wargame</a:t>
+              <a:t>MASSIVE and the ActionPatterns</a:t>
+            </a:r>
+          </a:p>
+          <a:p>
+            <a:r>
+              <a:rPr lang="da-DK" dirty="0" smtClean="0"/>
+              <a:t>Created a compiler</a:t>
             </a:r>
           </a:p>
           <a:p>
             <a:pPr lvl="1"/>
             <a:r>
               <a:rPr lang="da-DK" dirty="0" smtClean="0"/>
-              <a:t>The user can change tactic while simulating</a:t>
+              <a:t>MASSIVE</a:t>
+            </a:r>
+          </a:p>
+          <a:p>
+            <a:r>
+              <a:rPr lang="da-DK" dirty="0" smtClean="0"/>
+              <a:t>Created an interpreter</a:t>
             </a:r>
           </a:p>
           <a:p>
             <a:pPr lvl="1"/>
+            <a:r>
+              <a:rPr lang="da-DK" dirty="0" smtClean="0"/>
+              <a:t>ActionPatterns</a:t>
+            </a:r>
+          </a:p>
+          <a:p>
+            <a:r>
+              <a:rPr lang="da-DK" dirty="0" smtClean="0"/>
+              <a:t>Optimized to Multi Agent Wargame scenarios</a:t>
+            </a:r>
+          </a:p>
+          <a:p>
             <a:endParaRPr lang="da-DK" dirty="0"/>
           </a:p>
         </p:txBody>
@@ -4943,7 +4872,7 @@
     </p:spTree>
     <p:extLst>
       <p:ext uri="{BB962C8B-B14F-4D97-AF65-F5344CB8AC3E}">
-        <p14:creationId xmlns:p14="http://schemas.microsoft.com/office/powerpoint/2010/main" val="954873600"/>
+        <p14:creationId xmlns:p14="http://schemas.microsoft.com/office/powerpoint/2010/main" xmlns="" val="3036338551"/>
       </p:ext>
     </p:extLst>
   </p:cSld>
@@ -4987,7 +4916,7 @@
           <a:p>
             <a:r>
               <a:rPr lang="da-DK" dirty="0" smtClean="0"/>
-              <a:t>Conclusion</a:t>
+              <a:t>Future Work</a:t>
             </a:r>
             <a:endParaRPr lang="da-DK" dirty="0"/>
           </a:p>
@@ -5010,67 +4939,68 @@
           <a:p>
             <a:r>
               <a:rPr lang="da-DK" dirty="0" smtClean="0"/>
-              <a:t>Created two languages</a:t>
+              <a:t>Improvements</a:t>
             </a:r>
           </a:p>
           <a:p>
             <a:pPr lvl="1"/>
             <a:r>
               <a:rPr lang="da-DK" dirty="0" smtClean="0"/>
-              <a:t>MASSIVE and the ActionPatterns</a:t>
-            </a:r>
+              <a:t>Modifying Agents, Teams etc. With foreach</a:t>
+            </a:r>
+          </a:p>
+          <a:p>
+            <a:pPr lvl="1"/>
+            <a:r>
+              <a:rPr lang="da-DK" dirty="0" smtClean="0"/>
+              <a:t>Starting points on the battlefield</a:t>
+            </a:r>
+          </a:p>
+          <a:p>
+            <a:pPr lvl="1"/>
+            <a:r>
+              <a:rPr lang="da-DK" dirty="0" smtClean="0"/>
+              <a:t>Expanding the action language</a:t>
+            </a:r>
+          </a:p>
+          <a:p>
+            <a:pPr lvl="2"/>
+            <a:r>
+              <a:rPr lang="da-DK" dirty="0" smtClean="0"/>
+              <a:t>More options than move and encounter</a:t>
+            </a:r>
+          </a:p>
+          <a:p>
+            <a:pPr lvl="2"/>
+            <a:r>
+              <a:rPr lang="da-DK" dirty="0" smtClean="0"/>
+              <a:t>Convert it to a ”scripting language”</a:t>
+            </a:r>
+          </a:p>
+          <a:p>
+            <a:pPr lvl="3"/>
+            <a:r>
+              <a:rPr lang="da-DK" dirty="0" smtClean="0"/>
+              <a:t>Conditions</a:t>
+            </a:r>
+          </a:p>
+          <a:p>
+            <a:pPr lvl="3"/>
+            <a:r>
+              <a:rPr lang="da-DK" dirty="0" smtClean="0"/>
+              <a:t>Loops</a:t>
+            </a:r>
+          </a:p>
+          <a:p>
+            <a:pPr lvl="1"/>
             <a:endParaRPr lang="da-DK" dirty="0" smtClean="0"/>
-          </a:p>
-          <a:p>
-            <a:r>
-              <a:rPr lang="da-DK" dirty="0" smtClean="0"/>
-              <a:t>Created a </a:t>
-            </a:r>
-            <a:r>
-              <a:rPr lang="da-DK" dirty="0" smtClean="0"/>
-              <a:t>compiler</a:t>
-            </a:r>
-          </a:p>
-          <a:p>
-            <a:pPr lvl="1"/>
-            <a:r>
-              <a:rPr lang="da-DK" dirty="0" smtClean="0"/>
-              <a:t>MASSIVE</a:t>
-            </a:r>
-          </a:p>
-          <a:p>
-            <a:r>
-              <a:rPr lang="da-DK" dirty="0" smtClean="0"/>
-              <a:t>Created an interpreter</a:t>
-            </a:r>
-          </a:p>
-          <a:p>
-            <a:pPr lvl="1"/>
-            <a:r>
-              <a:rPr lang="da-DK" dirty="0" smtClean="0"/>
-              <a:t>ActionPatterns</a:t>
-            </a:r>
-          </a:p>
-          <a:p>
-            <a:r>
-              <a:rPr lang="da-DK" dirty="0" smtClean="0"/>
-              <a:t>Optimized to Multi Agent Wargame </a:t>
-            </a:r>
-            <a:r>
-              <a:rPr lang="da-DK" dirty="0" smtClean="0"/>
-              <a:t>scenarios</a:t>
-            </a:r>
-            <a:endParaRPr lang="da-DK" dirty="0" smtClean="0"/>
-          </a:p>
-          <a:p>
-            <a:endParaRPr lang="da-DK" dirty="0"/>
           </a:p>
         </p:txBody>
       </p:sp>
     </p:spTree>
     <p:extLst>
       <p:ext uri="{BB962C8B-B14F-4D97-AF65-F5344CB8AC3E}">
-        <p14:creationId xmlns:p14="http://schemas.microsoft.com/office/powerpoint/2010/main" val="3036338551"/>
+        <p14:creationId xmlns:p14="http://schemas.microsoft.com/office/powerpoint/2010/main" xmlns="" val="3879412922"/>
       </p:ext>
     </p:extLst>
   </p:cSld>
@@ -5120,85 +5050,39 @@
           </a:p>
         </p:txBody>
       </p:sp>
-      <p:sp>
-        <p:nvSpPr>
-          <p:cNvPr id="3" name="Content Placeholder 2"/>
-          <p:cNvSpPr>
-            <a:spLocks noGrp="1"/>
-          </p:cNvSpPr>
+      <p:pic>
+        <p:nvPicPr>
+          <p:cNvPr id="4" name="Content Placeholder 3"/>
+          <p:cNvPicPr>
+            <a:picLocks noGrp="1" noChangeAspect="1"/>
+          </p:cNvPicPr>
           <p:nvPr>
             <p:ph idx="1"/>
           </p:nvPr>
-        </p:nvSpPr>
-        <p:spPr/>
-        <p:txBody>
-          <a:bodyPr/>
-          <a:lstStyle/>
-          <a:p>
-            <a:r>
-              <a:rPr lang="da-DK" dirty="0" smtClean="0"/>
-              <a:t>Improvements</a:t>
-            </a:r>
-          </a:p>
-          <a:p>
-            <a:pPr lvl="1"/>
-            <a:r>
-              <a:rPr lang="da-DK" dirty="0" smtClean="0"/>
-              <a:t>Modifying Agents, Teams etc. With foreach</a:t>
-            </a:r>
-          </a:p>
-          <a:p>
-            <a:pPr lvl="1"/>
-            <a:r>
-              <a:rPr lang="da-DK" dirty="0" smtClean="0"/>
-              <a:t>Starting points on the battlefield</a:t>
-            </a:r>
-          </a:p>
-          <a:p>
-            <a:pPr lvl="1"/>
-            <a:r>
-              <a:rPr lang="da-DK" dirty="0" smtClean="0"/>
-              <a:t>Expanding the action language</a:t>
-            </a:r>
-          </a:p>
-          <a:p>
-            <a:pPr lvl="2"/>
-            <a:r>
-              <a:rPr lang="da-DK" dirty="0" smtClean="0"/>
-              <a:t>More options than move and encounter</a:t>
-            </a:r>
-          </a:p>
-          <a:p>
-            <a:pPr lvl="2"/>
-            <a:r>
-              <a:rPr lang="da-DK" dirty="0" smtClean="0"/>
-              <a:t>Convert it to a ”scripting language”</a:t>
-            </a:r>
-          </a:p>
-          <a:p>
-            <a:pPr lvl="3"/>
-            <a:r>
-              <a:rPr lang="da-DK" dirty="0" smtClean="0"/>
-              <a:t>Conditions</a:t>
-            </a:r>
-          </a:p>
-          <a:p>
-            <a:pPr lvl="3"/>
-            <a:r>
-              <a:rPr lang="da-DK" dirty="0" smtClean="0"/>
-              <a:t>Loops</a:t>
-            </a:r>
-          </a:p>
-          <a:p>
-            <a:pPr lvl="1"/>
-            <a:endParaRPr lang="da-DK" dirty="0" smtClean="0"/>
-          </a:p>
-        </p:txBody>
-      </p:sp>
+        </p:nvPicPr>
+        <p:blipFill>
+          <a:blip r:embed="rId3" cstate="print">
+            <a:extLst>
+              <a:ext uri="{28A0092B-C50C-407E-A947-70E740481C1C}">
+                <a14:useLocalDpi xmlns:a14="http://schemas.microsoft.com/office/drawing/2010/main" xmlns="" val="0"/>
+              </a:ext>
+            </a:extLst>
+          </a:blip>
+          <a:stretch>
+            <a:fillRect/>
+          </a:stretch>
+        </p:blipFill>
+        <p:spPr>
+          <a:xfrm>
+            <a:off x="1537864" y="2696206"/>
+            <a:ext cx="6068272" cy="2333951"/>
+          </a:xfrm>
+        </p:spPr>
+      </p:pic>
     </p:spTree>
     <p:extLst>
       <p:ext uri="{BB962C8B-B14F-4D97-AF65-F5344CB8AC3E}">
-        <p14:creationId xmlns:p14="http://schemas.microsoft.com/office/powerpoint/2010/main" val="3879412922"/>
+        <p14:creationId xmlns:p14="http://schemas.microsoft.com/office/powerpoint/2010/main" xmlns="" val="1269602828"/>
       </p:ext>
     </p:extLst>
   </p:cSld>
@@ -5248,191 +5132,109 @@
           </a:p>
         </p:txBody>
       </p:sp>
-      <p:pic>
-        <p:nvPicPr>
-          <p:cNvPr id="4" name="Content Placeholder 3"/>
-          <p:cNvPicPr>
-            <a:picLocks noGrp="1" noChangeAspect="1"/>
-          </p:cNvPicPr>
+      <p:sp>
+        <p:nvSpPr>
+          <p:cNvPr id="3" name="Content Placeholder 2"/>
+          <p:cNvSpPr>
+            <a:spLocks noGrp="1"/>
+          </p:cNvSpPr>
           <p:nvPr>
             <p:ph idx="1"/>
           </p:nvPr>
-        </p:nvPicPr>
-        <p:blipFill>
-          <a:blip r:embed="rId3">
-            <a:extLst>
-              <a:ext uri="{28A0092B-C50C-407E-A947-70E740481C1C}">
-                <a14:useLocalDpi xmlns:a14="http://schemas.microsoft.com/office/drawing/2010/main" val="0"/>
-              </a:ext>
-            </a:extLst>
-          </a:blip>
-          <a:stretch>
-            <a:fillRect/>
-          </a:stretch>
-        </p:blipFill>
-        <p:spPr>
-          <a:xfrm>
-            <a:off x="1537864" y="2696206"/>
-            <a:ext cx="6068272" cy="2333951"/>
-          </a:xfrm>
-        </p:spPr>
-      </p:pic>
+        </p:nvSpPr>
+        <p:spPr/>
+        <p:txBody>
+          <a:bodyPr>
+            <a:normAutofit fontScale="92500" lnSpcReduction="10000"/>
+          </a:bodyPr>
+          <a:lstStyle/>
+          <a:p>
+            <a:r>
+              <a:rPr lang="da-DK" dirty="0" smtClean="0"/>
+              <a:t>Improvements</a:t>
+            </a:r>
+          </a:p>
+          <a:p>
+            <a:pPr lvl="1"/>
+            <a:r>
+              <a:rPr lang="da-DK" dirty="0" smtClean="0"/>
+              <a:t>Modifying Agents, Teams etc. With foreach</a:t>
+            </a:r>
+          </a:p>
+          <a:p>
+            <a:pPr lvl="1"/>
+            <a:r>
+              <a:rPr lang="da-DK" dirty="0" smtClean="0"/>
+              <a:t>Starting points on the battlefield</a:t>
+            </a:r>
+          </a:p>
+          <a:p>
+            <a:pPr lvl="1"/>
+            <a:r>
+              <a:rPr lang="da-DK" dirty="0" smtClean="0"/>
+              <a:t>Expanding the action language</a:t>
+            </a:r>
+          </a:p>
+          <a:p>
+            <a:pPr lvl="2"/>
+            <a:r>
+              <a:rPr lang="da-DK" dirty="0" smtClean="0"/>
+              <a:t>More options than move and encounter</a:t>
+            </a:r>
+          </a:p>
+          <a:p>
+            <a:pPr lvl="2"/>
+            <a:r>
+              <a:rPr lang="da-DK" dirty="0" smtClean="0"/>
+              <a:t>Convert it to a ”scripting language”</a:t>
+            </a:r>
+          </a:p>
+          <a:p>
+            <a:pPr lvl="3"/>
+            <a:r>
+              <a:rPr lang="da-DK" dirty="0" smtClean="0"/>
+              <a:t>Conditions</a:t>
+            </a:r>
+          </a:p>
+          <a:p>
+            <a:pPr lvl="3"/>
+            <a:r>
+              <a:rPr lang="da-DK" dirty="0" smtClean="0"/>
+              <a:t>Loops</a:t>
+            </a:r>
+          </a:p>
+          <a:p>
+            <a:pPr lvl="1"/>
+            <a:r>
+              <a:rPr lang="da-DK" dirty="0" smtClean="0"/>
+              <a:t>Compiling directly to XML</a:t>
+            </a:r>
+          </a:p>
+          <a:p>
+            <a:pPr lvl="1"/>
+            <a:r>
+              <a:rPr lang="da-DK" dirty="0" smtClean="0"/>
+              <a:t>Merging the Compiler and the Wargame</a:t>
+            </a:r>
+          </a:p>
+          <a:p>
+            <a:pPr lvl="1"/>
+            <a:r>
+              <a:rPr lang="da-DK" smtClean="0"/>
+              <a:t>Multiplayer</a:t>
+            </a:r>
+            <a:endParaRPr lang="da-DK" dirty="0" smtClean="0"/>
+          </a:p>
+          <a:p>
+            <a:pPr lvl="1"/>
+            <a:endParaRPr lang="da-DK" dirty="0" smtClean="0"/>
+          </a:p>
+        </p:txBody>
+      </p:sp>
     </p:spTree>
     <p:extLst>
       <p:ext uri="{BB962C8B-B14F-4D97-AF65-F5344CB8AC3E}">
-        <p14:creationId xmlns:p14="http://schemas.microsoft.com/office/powerpoint/2010/main" val="1269602828"/>
-      </p:ext>
-    </p:extLst>
-  </p:cSld>
-  <p:clrMapOvr>
-    <a:masterClrMapping/>
-  </p:clrMapOvr>
-</p:sld>
-</file>
-
-<file path=ppt/slides/slide9.xml><?xml version="1.0" encoding="utf-8"?>
-<p:sld xmlns:a="http://schemas.openxmlformats.org/drawingml/2006/main" xmlns:r="http://schemas.openxmlformats.org/officeDocument/2006/relationships" xmlns:p="http://schemas.openxmlformats.org/presentationml/2006/main">
-  <p:cSld>
-    <p:spTree>
-      <p:nvGrpSpPr>
-        <p:cNvPr id="1" name=""/>
-        <p:cNvGrpSpPr/>
-        <p:nvPr/>
-      </p:nvGrpSpPr>
-      <p:grpSpPr>
-        <a:xfrm>
-          <a:off x="0" y="0"/>
-          <a:ext cx="0" cy="0"/>
-          <a:chOff x="0" y="0"/>
-          <a:chExt cx="0" cy="0"/>
-        </a:xfrm>
-      </p:grpSpPr>
-      <p:sp>
-        <p:nvSpPr>
-          <p:cNvPr id="2" name="Title 1"/>
-          <p:cNvSpPr>
-            <a:spLocks noGrp="1"/>
-          </p:cNvSpPr>
-          <p:nvPr>
-            <p:ph type="title"/>
-          </p:nvPr>
-        </p:nvSpPr>
-        <p:spPr/>
-        <p:txBody>
-          <a:bodyPr/>
-          <a:lstStyle/>
-          <a:p>
-            <a:r>
-              <a:rPr lang="da-DK" dirty="0" smtClean="0"/>
-              <a:t>Future Work</a:t>
-            </a:r>
-            <a:endParaRPr lang="da-DK" dirty="0"/>
-          </a:p>
-        </p:txBody>
-      </p:sp>
-      <p:sp>
-        <p:nvSpPr>
-          <p:cNvPr id="3" name="Content Placeholder 2"/>
-          <p:cNvSpPr>
-            <a:spLocks noGrp="1"/>
-          </p:cNvSpPr>
-          <p:nvPr>
-            <p:ph idx="1"/>
-          </p:nvPr>
-        </p:nvSpPr>
-        <p:spPr/>
-        <p:txBody>
-          <a:bodyPr>
-            <a:normAutofit fontScale="92500" lnSpcReduction="10000"/>
-          </a:bodyPr>
-          <a:lstStyle/>
-          <a:p>
-            <a:r>
-              <a:rPr lang="da-DK" dirty="0" smtClean="0"/>
-              <a:t>Improvements</a:t>
-            </a:r>
-          </a:p>
-          <a:p>
-            <a:pPr lvl="1"/>
-            <a:r>
-              <a:rPr lang="da-DK" dirty="0" smtClean="0"/>
-              <a:t>Modifying Agents, Teams etc. With foreach</a:t>
-            </a:r>
-          </a:p>
-          <a:p>
-            <a:pPr lvl="1"/>
-            <a:r>
-              <a:rPr lang="da-DK" dirty="0" smtClean="0"/>
-              <a:t>Starting points on the battlefield</a:t>
-            </a:r>
-          </a:p>
-          <a:p>
-            <a:pPr lvl="1"/>
-            <a:r>
-              <a:rPr lang="da-DK" dirty="0" smtClean="0"/>
-              <a:t>Expanding the action language</a:t>
-            </a:r>
-          </a:p>
-          <a:p>
-            <a:pPr lvl="2"/>
-            <a:r>
-              <a:rPr lang="da-DK" dirty="0" smtClean="0"/>
-              <a:t>More options than move and encounter</a:t>
-            </a:r>
-          </a:p>
-          <a:p>
-            <a:pPr lvl="2"/>
-            <a:r>
-              <a:rPr lang="da-DK" dirty="0" smtClean="0"/>
-              <a:t>Convert it to a ”scripting language”</a:t>
-            </a:r>
-          </a:p>
-          <a:p>
-            <a:pPr lvl="3"/>
-            <a:r>
-              <a:rPr lang="da-DK" dirty="0" smtClean="0"/>
-              <a:t>Conditions</a:t>
-            </a:r>
-          </a:p>
-          <a:p>
-            <a:pPr lvl="3"/>
-            <a:r>
-              <a:rPr lang="da-DK" dirty="0" smtClean="0"/>
-              <a:t>Loops</a:t>
-            </a:r>
-          </a:p>
-          <a:p>
-            <a:pPr lvl="1"/>
-            <a:r>
-              <a:rPr lang="da-DK" dirty="0" smtClean="0"/>
-              <a:t>Compiling directly to XML</a:t>
-            </a:r>
-          </a:p>
-          <a:p>
-            <a:pPr lvl="1"/>
-            <a:r>
-              <a:rPr lang="da-DK" dirty="0" smtClean="0"/>
-              <a:t>Merging the Compiler and the Wargame</a:t>
-            </a:r>
-          </a:p>
-          <a:p>
-            <a:pPr lvl="1"/>
-            <a:r>
-              <a:rPr lang="da-DK" smtClean="0"/>
-              <a:t>Multiplayer</a:t>
-            </a:r>
-            <a:endParaRPr lang="da-DK" dirty="0" smtClean="0"/>
-          </a:p>
-          <a:p>
-            <a:pPr lvl="1"/>
-            <a:endParaRPr lang="da-DK" dirty="0" smtClean="0"/>
-          </a:p>
-        </p:txBody>
-      </p:sp>
-    </p:spTree>
-    <p:extLst>
-      <p:ext uri="{BB962C8B-B14F-4D97-AF65-F5344CB8AC3E}">
-        <p14:creationId xmlns:p14="http://schemas.microsoft.com/office/powerpoint/2010/main" val="1292610417"/>
+        <p14:creationId xmlns:p14="http://schemas.microsoft.com/office/powerpoint/2010/main" xmlns="" val="1292610417"/>
       </p:ext>
     </p:extLst>
   </p:cSld>
